--- a/Natural Language Processing subreddit ‘cars’ vs 'teslamotors'.pptx
+++ b/Natural Language Processing subreddit ‘cars’ vs 'teslamotors'.pptx
@@ -230,7 +230,7 @@
           <a:p>
             <a:fld id="{C76A5925-1F73-40BA-85C9-D3AC61ACF64E}" type="datetimeFigureOut">
               <a:rPr lang="en-US" smtClean="0"/>
-              <a:t>1/30/2020</a:t>
+              <a:t>2/2/2020</a:t>
             </a:fld>
             <a:endParaRPr lang="en-US"/>
           </a:p>
@@ -407,7 +407,7 @@
           <a:p>
             <a:fld id="{3FD28DB0-09F6-4366-A211-0FA9A757C8BD}" type="datetimeFigureOut">
               <a:rPr lang="en-US" noProof="0" smtClean="0"/>
-              <a:t>1/30/2020</a:t>
+              <a:t>2/2/2020</a:t>
             </a:fld>
             <a:endParaRPr lang="en-US" noProof="0"/>
           </a:p>
@@ -13064,10 +13064,10 @@
       </p:sp>
       <p:pic>
         <p:nvPicPr>
-          <p:cNvPr id="5122" name="Picture 2">
+          <p:cNvPr id="2050" name="Picture 2">
             <a:extLst>
               <a:ext uri="{FF2B5EF4-FFF2-40B4-BE49-F238E27FC236}">
-                <a16:creationId xmlns:a16="http://schemas.microsoft.com/office/drawing/2014/main" id="{D7C64AF2-2F0E-42E1-9836-AF68B378856B}"/>
+                <a16:creationId xmlns:a16="http://schemas.microsoft.com/office/drawing/2014/main" id="{331FEB5B-D10D-458C-8319-E31C1F190D2D}"/>
               </a:ext>
             </a:extLst>
           </p:cNvPr>
@@ -13091,8 +13091,8 @@
         </p:blipFill>
         <p:spPr bwMode="auto">
           <a:xfrm>
-            <a:off x="1675425" y="900000"/>
-            <a:ext cx="8841150" cy="5196903"/>
+            <a:off x="1844774" y="900000"/>
+            <a:ext cx="8502452" cy="4997813"/>
           </a:xfrm>
           <a:prstGeom prst="rect">
             <a:avLst/>
@@ -14540,7 +14540,7 @@
           <a:p>
             <a:r>
               <a:rPr lang="en-US" sz="2000" dirty="0"/>
-              <a:t>Accuracy score of 88.5% outperforms our baseline of 55.45%</a:t>
+              <a:t>Accuracy score of 87.52% outperforms our baseline of 55.45%</a:t>
             </a:r>
           </a:p>
           <a:p>
@@ -14615,13 +14615,8 @@
           <a:p>
             <a:r>
               <a:rPr lang="en-US" sz="2000" dirty="0"/>
-              <a:t>We recommend raising awareness of the life-saving technologies that exist and encourage people to break from the status quo of gas </a:t>
+              <a:t>We recommend raising awareness of the life-saving technologies that exist and encourage people to break from the status quo of gas powered vehicles</a:t>
             </a:r>
-            <a:r>
-              <a:rPr lang="en-US" sz="2000"/>
-              <a:t>powered vehicles</a:t>
-            </a:r>
-            <a:endParaRPr lang="en-US" sz="2000" dirty="0"/>
           </a:p>
           <a:p>
             <a:pPr marL="536575" lvl="2" indent="0">
